--- a/assets/Robles+ Logo.pptx
+++ b/assets/Robles+ Logo.pptx
@@ -104,6 +104,11 @@
       </a:defRPr>
     </a:lvl9pPr>
   </p:defaultTextStyle>
+  <p:extLst>
+    <p:ext uri="{EFAFB233-063F-42B5-8137-9DF3F51BA10A}">
+      <p15:sldGuideLst xmlns:p15="http://schemas.microsoft.com/office/powerpoint/2012/main"/>
+    </p:ext>
+  </p:extLst>
 </p:presentation>
 </file>
 
@@ -256,7 +261,7 @@
           <a:p>
             <a:fld id="{EB152FD9-684A-460F-AA77-396B403001E9}" type="datetimeFigureOut">
               <a:rPr lang="es-SV" smtClean="0"/>
-              <a:t>11/4/2022</a:t>
+              <a:t>16/4/2022</a:t>
             </a:fld>
             <a:endParaRPr lang="es-SV"/>
           </a:p>
@@ -456,7 +461,7 @@
           <a:p>
             <a:fld id="{EB152FD9-684A-460F-AA77-396B403001E9}" type="datetimeFigureOut">
               <a:rPr lang="es-SV" smtClean="0"/>
-              <a:t>11/4/2022</a:t>
+              <a:t>16/4/2022</a:t>
             </a:fld>
             <a:endParaRPr lang="es-SV"/>
           </a:p>
@@ -666,7 +671,7 @@
           <a:p>
             <a:fld id="{EB152FD9-684A-460F-AA77-396B403001E9}" type="datetimeFigureOut">
               <a:rPr lang="es-SV" smtClean="0"/>
-              <a:t>11/4/2022</a:t>
+              <a:t>16/4/2022</a:t>
             </a:fld>
             <a:endParaRPr lang="es-SV"/>
           </a:p>
@@ -866,7 +871,7 @@
           <a:p>
             <a:fld id="{EB152FD9-684A-460F-AA77-396B403001E9}" type="datetimeFigureOut">
               <a:rPr lang="es-SV" smtClean="0"/>
-              <a:t>11/4/2022</a:t>
+              <a:t>16/4/2022</a:t>
             </a:fld>
             <a:endParaRPr lang="es-SV"/>
           </a:p>
@@ -1142,7 +1147,7 @@
           <a:p>
             <a:fld id="{EB152FD9-684A-460F-AA77-396B403001E9}" type="datetimeFigureOut">
               <a:rPr lang="es-SV" smtClean="0"/>
-              <a:t>11/4/2022</a:t>
+              <a:t>16/4/2022</a:t>
             </a:fld>
             <a:endParaRPr lang="es-SV"/>
           </a:p>
@@ -1410,7 +1415,7 @@
           <a:p>
             <a:fld id="{EB152FD9-684A-460F-AA77-396B403001E9}" type="datetimeFigureOut">
               <a:rPr lang="es-SV" smtClean="0"/>
-              <a:t>11/4/2022</a:t>
+              <a:t>16/4/2022</a:t>
             </a:fld>
             <a:endParaRPr lang="es-SV"/>
           </a:p>
@@ -1825,7 +1830,7 @@
           <a:p>
             <a:fld id="{EB152FD9-684A-460F-AA77-396B403001E9}" type="datetimeFigureOut">
               <a:rPr lang="es-SV" smtClean="0"/>
-              <a:t>11/4/2022</a:t>
+              <a:t>16/4/2022</a:t>
             </a:fld>
             <a:endParaRPr lang="es-SV"/>
           </a:p>
@@ -1967,7 +1972,7 @@
           <a:p>
             <a:fld id="{EB152FD9-684A-460F-AA77-396B403001E9}" type="datetimeFigureOut">
               <a:rPr lang="es-SV" smtClean="0"/>
-              <a:t>11/4/2022</a:t>
+              <a:t>16/4/2022</a:t>
             </a:fld>
             <a:endParaRPr lang="es-SV"/>
           </a:p>
@@ -2080,7 +2085,7 @@
           <a:p>
             <a:fld id="{EB152FD9-684A-460F-AA77-396B403001E9}" type="datetimeFigureOut">
               <a:rPr lang="es-SV" smtClean="0"/>
-              <a:t>11/4/2022</a:t>
+              <a:t>16/4/2022</a:t>
             </a:fld>
             <a:endParaRPr lang="es-SV"/>
           </a:p>
@@ -2393,7 +2398,7 @@
           <a:p>
             <a:fld id="{EB152FD9-684A-460F-AA77-396B403001E9}" type="datetimeFigureOut">
               <a:rPr lang="es-SV" smtClean="0"/>
-              <a:t>11/4/2022</a:t>
+              <a:t>16/4/2022</a:t>
             </a:fld>
             <a:endParaRPr lang="es-SV"/>
           </a:p>
@@ -2682,7 +2687,7 @@
           <a:p>
             <a:fld id="{EB152FD9-684A-460F-AA77-396B403001E9}" type="datetimeFigureOut">
               <a:rPr lang="es-SV" smtClean="0"/>
-              <a:t>11/4/2022</a:t>
+              <a:t>16/4/2022</a:t>
             </a:fld>
             <a:endParaRPr lang="es-SV"/>
           </a:p>
@@ -2925,7 +2930,7 @@
           <a:p>
             <a:fld id="{EB152FD9-684A-460F-AA77-396B403001E9}" type="datetimeFigureOut">
               <a:rPr lang="es-SV" smtClean="0"/>
-              <a:t>11/4/2022</a:t>
+              <a:t>16/4/2022</a:t>
             </a:fld>
             <a:endParaRPr lang="es-SV"/>
           </a:p>
@@ -3369,7 +3374,7 @@
         </p:nvSpPr>
         <p:spPr>
           <a:xfrm>
-            <a:off x="7901316" y="2696314"/>
+            <a:off x="8232620" y="2887732"/>
             <a:ext cx="137996" cy="950015"/>
           </a:xfrm>
           <a:custGeom>
@@ -3534,7 +3539,7 @@
         </p:nvSpPr>
         <p:spPr>
           <a:xfrm rot="16200000">
-            <a:off x="7901031" y="2655031"/>
+            <a:off x="8232335" y="2846449"/>
             <a:ext cx="132522" cy="1032579"/>
           </a:xfrm>
           <a:prstGeom prst="roundRect">
@@ -3600,7 +3605,7 @@
         </p:blipFill>
         <p:spPr>
           <a:xfrm>
-            <a:off x="2669903" y="2762575"/>
+            <a:off x="3001207" y="2953993"/>
             <a:ext cx="4722128" cy="950014"/>
           </a:xfrm>
           <a:prstGeom prst="rect">
@@ -3622,7 +3627,7 @@
         </p:nvSpPr>
         <p:spPr>
           <a:xfrm rot="21062514">
-            <a:off x="1282892" y="1943008"/>
+            <a:off x="1614196" y="2134426"/>
             <a:ext cx="6734175" cy="2324100"/>
           </a:xfrm>
           <a:prstGeom prst="arc">
